--- a/ppt 16-9/0462.关心神家.pptx
+++ b/ppt 16-9/0462.关心神家.pptx
@@ -5,7 +5,7 @@
     <p:sldMasterId id="2147483648" r:id="rId1"/>
   </p:sldMasterIdLst>
   <p:sldIdLst>
-    <p:sldId id="2959" r:id="rId2"/>
+    <p:sldId id="2961" r:id="rId2"/>
   </p:sldIdLst>
   <p:sldSz cx="12192000" cy="6858000"/>
   <p:notesSz cx="6858000" cy="9144000"/>
@@ -129,7 +129,7 @@
           <p:cNvPr id="2" name="标题 1">
             <a:extLst>
               <a:ext uri="{FF2B5EF4-FFF2-40B4-BE49-F238E27FC236}">
-                <a16:creationId xmlns:a16="http://schemas.microsoft.com/office/drawing/2014/main" id="{2B7D9104-5933-DD45-3C16-AE87867DD609}"/>
+                <a16:creationId xmlns:a16="http://schemas.microsoft.com/office/drawing/2014/main" id="{A4EAF1B1-D43A-320A-A9E3-C997A6E093AC}"/>
               </a:ext>
             </a:extLst>
           </p:cNvPr>
@@ -166,7 +166,7 @@
           <p:cNvPr id="3" name="副标题 2">
             <a:extLst>
               <a:ext uri="{FF2B5EF4-FFF2-40B4-BE49-F238E27FC236}">
-                <a16:creationId xmlns:a16="http://schemas.microsoft.com/office/drawing/2014/main" id="{02A01D5A-8F52-C92C-2325-847D1A5599A6}"/>
+                <a16:creationId xmlns:a16="http://schemas.microsoft.com/office/drawing/2014/main" id="{EE83E785-4F2F-1D76-6130-010A93F89EE6}"/>
               </a:ext>
             </a:extLst>
           </p:cNvPr>
@@ -236,7 +236,7 @@
           <p:cNvPr id="4" name="日期占位符 3">
             <a:extLst>
               <a:ext uri="{FF2B5EF4-FFF2-40B4-BE49-F238E27FC236}">
-                <a16:creationId xmlns:a16="http://schemas.microsoft.com/office/drawing/2014/main" id="{D81DA03D-2C93-6D7B-10BE-6C2EC71E88E9}"/>
+                <a16:creationId xmlns:a16="http://schemas.microsoft.com/office/drawing/2014/main" id="{A923B28B-B7AF-B121-B4C5-7FAAE2AA837E}"/>
               </a:ext>
             </a:extLst>
           </p:cNvPr>
@@ -252,7 +252,7 @@
           <a:bodyPr/>
           <a:lstStyle/>
           <a:p>
-            <a:fld id="{CF582151-9887-4CEB-8A50-13331BFE4A86}" type="datetimeFigureOut">
+            <a:fld id="{75076109-1C18-49BA-8217-56B5B24C7648}" type="datetimeFigureOut">
               <a:rPr lang="zh-CN" altLang="en-US" smtClean="0"/>
               <a:t>2024/3/10</a:t>
             </a:fld>
@@ -265,7 +265,7 @@
           <p:cNvPr id="5" name="页脚占位符 4">
             <a:extLst>
               <a:ext uri="{FF2B5EF4-FFF2-40B4-BE49-F238E27FC236}">
-                <a16:creationId xmlns:a16="http://schemas.microsoft.com/office/drawing/2014/main" id="{58CB58B6-BCD8-352C-C10D-7DD4D4508DF3}"/>
+                <a16:creationId xmlns:a16="http://schemas.microsoft.com/office/drawing/2014/main" id="{5BC9BF0C-E13E-B89D-DD36-2A0A93BD680C}"/>
               </a:ext>
             </a:extLst>
           </p:cNvPr>
@@ -290,7 +290,7 @@
           <p:cNvPr id="6" name="灯片编号占位符 5">
             <a:extLst>
               <a:ext uri="{FF2B5EF4-FFF2-40B4-BE49-F238E27FC236}">
-                <a16:creationId xmlns:a16="http://schemas.microsoft.com/office/drawing/2014/main" id="{A28085EE-0CAA-971D-6955-BAFA13E7AF54}"/>
+                <a16:creationId xmlns:a16="http://schemas.microsoft.com/office/drawing/2014/main" id="{D55DD8D1-3849-A18A-2592-D86BC638C792}"/>
               </a:ext>
             </a:extLst>
           </p:cNvPr>
@@ -306,7 +306,7 @@
           <a:bodyPr/>
           <a:lstStyle/>
           <a:p>
-            <a:fld id="{9C0A4373-ED58-4DCE-88BF-E0DB5B1124DC}" type="slidenum">
+            <a:fld id="{C105E9AA-D6EF-4392-B931-D625B7847CB1}" type="slidenum">
               <a:rPr lang="zh-CN" altLang="en-US" smtClean="0"/>
               <a:t>‹#›</a:t>
             </a:fld>
@@ -317,7 +317,7 @@
     </p:spTree>
     <p:extLst>
       <p:ext uri="{BB962C8B-B14F-4D97-AF65-F5344CB8AC3E}">
-        <p14:creationId xmlns:p14="http://schemas.microsoft.com/office/powerpoint/2010/main" val="1541414200"/>
+        <p14:creationId xmlns:p14="http://schemas.microsoft.com/office/powerpoint/2010/main" val="1138216073"/>
       </p:ext>
     </p:extLst>
   </p:cSld>
@@ -349,7 +349,7 @@
           <p:cNvPr id="2" name="标题 1">
             <a:extLst>
               <a:ext uri="{FF2B5EF4-FFF2-40B4-BE49-F238E27FC236}">
-                <a16:creationId xmlns:a16="http://schemas.microsoft.com/office/drawing/2014/main" id="{FCCD836C-9F8C-E3C9-0EF7-0EDEE8BCA4B3}"/>
+                <a16:creationId xmlns:a16="http://schemas.microsoft.com/office/drawing/2014/main" id="{290C167A-D12B-FAAF-3F46-BA507A397213}"/>
               </a:ext>
             </a:extLst>
           </p:cNvPr>
@@ -377,7 +377,7 @@
           <p:cNvPr id="3" name="竖排文字占位符 2">
             <a:extLst>
               <a:ext uri="{FF2B5EF4-FFF2-40B4-BE49-F238E27FC236}">
-                <a16:creationId xmlns:a16="http://schemas.microsoft.com/office/drawing/2014/main" id="{0FF69F60-8C1B-951D-613F-E56B3E87A073}"/>
+                <a16:creationId xmlns:a16="http://schemas.microsoft.com/office/drawing/2014/main" id="{85F20B17-FA7E-51F9-C479-67B365AA5EF7}"/>
               </a:ext>
             </a:extLst>
           </p:cNvPr>
@@ -434,7 +434,7 @@
           <p:cNvPr id="4" name="日期占位符 3">
             <a:extLst>
               <a:ext uri="{FF2B5EF4-FFF2-40B4-BE49-F238E27FC236}">
-                <a16:creationId xmlns:a16="http://schemas.microsoft.com/office/drawing/2014/main" id="{60885EED-33AA-CD68-86ED-3A8FAC23F8E6}"/>
+                <a16:creationId xmlns:a16="http://schemas.microsoft.com/office/drawing/2014/main" id="{F5730A92-B2F7-0305-EE0F-788E534FCEFB}"/>
               </a:ext>
             </a:extLst>
           </p:cNvPr>
@@ -450,7 +450,7 @@
           <a:bodyPr/>
           <a:lstStyle/>
           <a:p>
-            <a:fld id="{CF582151-9887-4CEB-8A50-13331BFE4A86}" type="datetimeFigureOut">
+            <a:fld id="{75076109-1C18-49BA-8217-56B5B24C7648}" type="datetimeFigureOut">
               <a:rPr lang="zh-CN" altLang="en-US" smtClean="0"/>
               <a:t>2024/3/10</a:t>
             </a:fld>
@@ -463,7 +463,7 @@
           <p:cNvPr id="5" name="页脚占位符 4">
             <a:extLst>
               <a:ext uri="{FF2B5EF4-FFF2-40B4-BE49-F238E27FC236}">
-                <a16:creationId xmlns:a16="http://schemas.microsoft.com/office/drawing/2014/main" id="{1A9DD655-3052-7AFB-F3A2-FD06B9947122}"/>
+                <a16:creationId xmlns:a16="http://schemas.microsoft.com/office/drawing/2014/main" id="{3FA8191E-493E-F690-B1BC-AA3FA0677105}"/>
               </a:ext>
             </a:extLst>
           </p:cNvPr>
@@ -488,7 +488,7 @@
           <p:cNvPr id="6" name="灯片编号占位符 5">
             <a:extLst>
               <a:ext uri="{FF2B5EF4-FFF2-40B4-BE49-F238E27FC236}">
-                <a16:creationId xmlns:a16="http://schemas.microsoft.com/office/drawing/2014/main" id="{82EDAA65-5CC1-AB9E-C5B6-C3C140292712}"/>
+                <a16:creationId xmlns:a16="http://schemas.microsoft.com/office/drawing/2014/main" id="{09892F25-7D1F-A01C-9930-2DC2C1BF6377}"/>
               </a:ext>
             </a:extLst>
           </p:cNvPr>
@@ -504,7 +504,7 @@
           <a:bodyPr/>
           <a:lstStyle/>
           <a:p>
-            <a:fld id="{9C0A4373-ED58-4DCE-88BF-E0DB5B1124DC}" type="slidenum">
+            <a:fld id="{C105E9AA-D6EF-4392-B931-D625B7847CB1}" type="slidenum">
               <a:rPr lang="zh-CN" altLang="en-US" smtClean="0"/>
               <a:t>‹#›</a:t>
             </a:fld>
@@ -515,7 +515,7 @@
     </p:spTree>
     <p:extLst>
       <p:ext uri="{BB962C8B-B14F-4D97-AF65-F5344CB8AC3E}">
-        <p14:creationId xmlns:p14="http://schemas.microsoft.com/office/powerpoint/2010/main" val="1725837231"/>
+        <p14:creationId xmlns:p14="http://schemas.microsoft.com/office/powerpoint/2010/main" val="3846992299"/>
       </p:ext>
     </p:extLst>
   </p:cSld>
@@ -547,7 +547,7 @@
           <p:cNvPr id="2" name="竖排标题 1">
             <a:extLst>
               <a:ext uri="{FF2B5EF4-FFF2-40B4-BE49-F238E27FC236}">
-                <a16:creationId xmlns:a16="http://schemas.microsoft.com/office/drawing/2014/main" id="{48CE0339-470B-1766-EBD7-CDA9E033373B}"/>
+                <a16:creationId xmlns:a16="http://schemas.microsoft.com/office/drawing/2014/main" id="{8E2DC781-DAF5-43EF-D395-19098F9EE5E3}"/>
               </a:ext>
             </a:extLst>
           </p:cNvPr>
@@ -580,7 +580,7 @@
           <p:cNvPr id="3" name="竖排文字占位符 2">
             <a:extLst>
               <a:ext uri="{FF2B5EF4-FFF2-40B4-BE49-F238E27FC236}">
-                <a16:creationId xmlns:a16="http://schemas.microsoft.com/office/drawing/2014/main" id="{B90802EE-678C-FF5A-6356-DBF84089C08B}"/>
+                <a16:creationId xmlns:a16="http://schemas.microsoft.com/office/drawing/2014/main" id="{C912FDBE-6421-23F8-D7DA-1494BF76FA42}"/>
               </a:ext>
             </a:extLst>
           </p:cNvPr>
@@ -642,7 +642,7 @@
           <p:cNvPr id="4" name="日期占位符 3">
             <a:extLst>
               <a:ext uri="{FF2B5EF4-FFF2-40B4-BE49-F238E27FC236}">
-                <a16:creationId xmlns:a16="http://schemas.microsoft.com/office/drawing/2014/main" id="{6A92CA51-75F6-12D5-A78B-C350395943DB}"/>
+                <a16:creationId xmlns:a16="http://schemas.microsoft.com/office/drawing/2014/main" id="{1F1E2E8F-C601-80B8-7D65-AA75679EAC88}"/>
               </a:ext>
             </a:extLst>
           </p:cNvPr>
@@ -658,7 +658,7 @@
           <a:bodyPr/>
           <a:lstStyle/>
           <a:p>
-            <a:fld id="{CF582151-9887-4CEB-8A50-13331BFE4A86}" type="datetimeFigureOut">
+            <a:fld id="{75076109-1C18-49BA-8217-56B5B24C7648}" type="datetimeFigureOut">
               <a:rPr lang="zh-CN" altLang="en-US" smtClean="0"/>
               <a:t>2024/3/10</a:t>
             </a:fld>
@@ -671,7 +671,7 @@
           <p:cNvPr id="5" name="页脚占位符 4">
             <a:extLst>
               <a:ext uri="{FF2B5EF4-FFF2-40B4-BE49-F238E27FC236}">
-                <a16:creationId xmlns:a16="http://schemas.microsoft.com/office/drawing/2014/main" id="{093C984F-2513-97E7-2A85-D5F303D57E6D}"/>
+                <a16:creationId xmlns:a16="http://schemas.microsoft.com/office/drawing/2014/main" id="{740BAE1B-FF9D-43CF-D6E4-21A1467A110B}"/>
               </a:ext>
             </a:extLst>
           </p:cNvPr>
@@ -696,7 +696,7 @@
           <p:cNvPr id="6" name="灯片编号占位符 5">
             <a:extLst>
               <a:ext uri="{FF2B5EF4-FFF2-40B4-BE49-F238E27FC236}">
-                <a16:creationId xmlns:a16="http://schemas.microsoft.com/office/drawing/2014/main" id="{E4E17B7D-6D0C-B105-6259-95C61B9BE08C}"/>
+                <a16:creationId xmlns:a16="http://schemas.microsoft.com/office/drawing/2014/main" id="{4BBA5EFE-4953-2C7A-C84C-2A25C1679C80}"/>
               </a:ext>
             </a:extLst>
           </p:cNvPr>
@@ -712,7 +712,7 @@
           <a:bodyPr/>
           <a:lstStyle/>
           <a:p>
-            <a:fld id="{9C0A4373-ED58-4DCE-88BF-E0DB5B1124DC}" type="slidenum">
+            <a:fld id="{C105E9AA-D6EF-4392-B931-D625B7847CB1}" type="slidenum">
               <a:rPr lang="zh-CN" altLang="en-US" smtClean="0"/>
               <a:t>‹#›</a:t>
             </a:fld>
@@ -723,7 +723,7 @@
     </p:spTree>
     <p:extLst>
       <p:ext uri="{BB962C8B-B14F-4D97-AF65-F5344CB8AC3E}">
-        <p14:creationId xmlns:p14="http://schemas.microsoft.com/office/powerpoint/2010/main" val="1268173054"/>
+        <p14:creationId xmlns:p14="http://schemas.microsoft.com/office/powerpoint/2010/main" val="878432712"/>
       </p:ext>
     </p:extLst>
   </p:cSld>
@@ -755,7 +755,7 @@
           <p:cNvPr id="2" name="标题 1">
             <a:extLst>
               <a:ext uri="{FF2B5EF4-FFF2-40B4-BE49-F238E27FC236}">
-                <a16:creationId xmlns:a16="http://schemas.microsoft.com/office/drawing/2014/main" id="{92A10D13-8DA2-00E2-0772-8CE11914581C}"/>
+                <a16:creationId xmlns:a16="http://schemas.microsoft.com/office/drawing/2014/main" id="{333F510E-1F76-D7BD-AE5B-B37B18AF9308}"/>
               </a:ext>
             </a:extLst>
           </p:cNvPr>
@@ -783,7 +783,7 @@
           <p:cNvPr id="3" name="内容占位符 2">
             <a:extLst>
               <a:ext uri="{FF2B5EF4-FFF2-40B4-BE49-F238E27FC236}">
-                <a16:creationId xmlns:a16="http://schemas.microsoft.com/office/drawing/2014/main" id="{CC98487B-D401-3FCA-7D08-E7ACAE1784F8}"/>
+                <a16:creationId xmlns:a16="http://schemas.microsoft.com/office/drawing/2014/main" id="{678EC461-5385-5E42-C5EB-6263052208E1}"/>
               </a:ext>
             </a:extLst>
           </p:cNvPr>
@@ -840,7 +840,7 @@
           <p:cNvPr id="4" name="日期占位符 3">
             <a:extLst>
               <a:ext uri="{FF2B5EF4-FFF2-40B4-BE49-F238E27FC236}">
-                <a16:creationId xmlns:a16="http://schemas.microsoft.com/office/drawing/2014/main" id="{FD3A737E-CC13-6C63-9BE3-CDA77621ECE7}"/>
+                <a16:creationId xmlns:a16="http://schemas.microsoft.com/office/drawing/2014/main" id="{038CA71E-D5BD-41B9-9540-0449FABDAF95}"/>
               </a:ext>
             </a:extLst>
           </p:cNvPr>
@@ -856,7 +856,7 @@
           <a:bodyPr/>
           <a:lstStyle/>
           <a:p>
-            <a:fld id="{CF582151-9887-4CEB-8A50-13331BFE4A86}" type="datetimeFigureOut">
+            <a:fld id="{75076109-1C18-49BA-8217-56B5B24C7648}" type="datetimeFigureOut">
               <a:rPr lang="zh-CN" altLang="en-US" smtClean="0"/>
               <a:t>2024/3/10</a:t>
             </a:fld>
@@ -869,7 +869,7 @@
           <p:cNvPr id="5" name="页脚占位符 4">
             <a:extLst>
               <a:ext uri="{FF2B5EF4-FFF2-40B4-BE49-F238E27FC236}">
-                <a16:creationId xmlns:a16="http://schemas.microsoft.com/office/drawing/2014/main" id="{1EDB735B-6FE3-B77C-8165-12A56043BF64}"/>
+                <a16:creationId xmlns:a16="http://schemas.microsoft.com/office/drawing/2014/main" id="{0E86EB08-303A-3189-5E23-294D52B940F8}"/>
               </a:ext>
             </a:extLst>
           </p:cNvPr>
@@ -894,7 +894,7 @@
           <p:cNvPr id="6" name="灯片编号占位符 5">
             <a:extLst>
               <a:ext uri="{FF2B5EF4-FFF2-40B4-BE49-F238E27FC236}">
-                <a16:creationId xmlns:a16="http://schemas.microsoft.com/office/drawing/2014/main" id="{26FECEFD-FD5A-7707-2512-E83EEF5E86D2}"/>
+                <a16:creationId xmlns:a16="http://schemas.microsoft.com/office/drawing/2014/main" id="{C1F2A387-66CE-3492-54D5-322683FBC18F}"/>
               </a:ext>
             </a:extLst>
           </p:cNvPr>
@@ -910,7 +910,7 @@
           <a:bodyPr/>
           <a:lstStyle/>
           <a:p>
-            <a:fld id="{9C0A4373-ED58-4DCE-88BF-E0DB5B1124DC}" type="slidenum">
+            <a:fld id="{C105E9AA-D6EF-4392-B931-D625B7847CB1}" type="slidenum">
               <a:rPr lang="zh-CN" altLang="en-US" smtClean="0"/>
               <a:t>‹#›</a:t>
             </a:fld>
@@ -921,7 +921,7 @@
     </p:spTree>
     <p:extLst>
       <p:ext uri="{BB962C8B-B14F-4D97-AF65-F5344CB8AC3E}">
-        <p14:creationId xmlns:p14="http://schemas.microsoft.com/office/powerpoint/2010/main" val="2568688795"/>
+        <p14:creationId xmlns:p14="http://schemas.microsoft.com/office/powerpoint/2010/main" val="3650796817"/>
       </p:ext>
     </p:extLst>
   </p:cSld>
@@ -953,7 +953,7 @@
           <p:cNvPr id="2" name="标题 1">
             <a:extLst>
               <a:ext uri="{FF2B5EF4-FFF2-40B4-BE49-F238E27FC236}">
-                <a16:creationId xmlns:a16="http://schemas.microsoft.com/office/drawing/2014/main" id="{BBD5972B-93E3-C658-BCB9-69F7986D65F0}"/>
+                <a16:creationId xmlns:a16="http://schemas.microsoft.com/office/drawing/2014/main" id="{2A63E9DF-1C05-A03C-51F8-70AB1953C949}"/>
               </a:ext>
             </a:extLst>
           </p:cNvPr>
@@ -990,7 +990,7 @@
           <p:cNvPr id="3" name="文本占位符 2">
             <a:extLst>
               <a:ext uri="{FF2B5EF4-FFF2-40B4-BE49-F238E27FC236}">
-                <a16:creationId xmlns:a16="http://schemas.microsoft.com/office/drawing/2014/main" id="{790A8528-1429-2AD4-347C-44EFA69DB32B}"/>
+                <a16:creationId xmlns:a16="http://schemas.microsoft.com/office/drawing/2014/main" id="{846B5A6E-AD88-3AAF-CED4-6FE29A695D78}"/>
               </a:ext>
             </a:extLst>
           </p:cNvPr>
@@ -1115,7 +1115,7 @@
           <p:cNvPr id="4" name="日期占位符 3">
             <a:extLst>
               <a:ext uri="{FF2B5EF4-FFF2-40B4-BE49-F238E27FC236}">
-                <a16:creationId xmlns:a16="http://schemas.microsoft.com/office/drawing/2014/main" id="{4249BE78-5142-2AEF-E331-224EF4016C01}"/>
+                <a16:creationId xmlns:a16="http://schemas.microsoft.com/office/drawing/2014/main" id="{6C7920D9-E745-B646-E3E9-E9641B2CCB43}"/>
               </a:ext>
             </a:extLst>
           </p:cNvPr>
@@ -1131,7 +1131,7 @@
           <a:bodyPr/>
           <a:lstStyle/>
           <a:p>
-            <a:fld id="{CF582151-9887-4CEB-8A50-13331BFE4A86}" type="datetimeFigureOut">
+            <a:fld id="{75076109-1C18-49BA-8217-56B5B24C7648}" type="datetimeFigureOut">
               <a:rPr lang="zh-CN" altLang="en-US" smtClean="0"/>
               <a:t>2024/3/10</a:t>
             </a:fld>
@@ -1144,7 +1144,7 @@
           <p:cNvPr id="5" name="页脚占位符 4">
             <a:extLst>
               <a:ext uri="{FF2B5EF4-FFF2-40B4-BE49-F238E27FC236}">
-                <a16:creationId xmlns:a16="http://schemas.microsoft.com/office/drawing/2014/main" id="{2EAFAF7D-7B76-D70F-228A-24882B69305B}"/>
+                <a16:creationId xmlns:a16="http://schemas.microsoft.com/office/drawing/2014/main" id="{7B45656B-D12B-8FEB-153A-4653523EA756}"/>
               </a:ext>
             </a:extLst>
           </p:cNvPr>
@@ -1169,7 +1169,7 @@
           <p:cNvPr id="6" name="灯片编号占位符 5">
             <a:extLst>
               <a:ext uri="{FF2B5EF4-FFF2-40B4-BE49-F238E27FC236}">
-                <a16:creationId xmlns:a16="http://schemas.microsoft.com/office/drawing/2014/main" id="{0279559F-E9E7-607D-F524-AD2D011B70FF}"/>
+                <a16:creationId xmlns:a16="http://schemas.microsoft.com/office/drawing/2014/main" id="{585B975C-CE6C-6198-9B33-58B8D92299D5}"/>
               </a:ext>
             </a:extLst>
           </p:cNvPr>
@@ -1185,7 +1185,7 @@
           <a:bodyPr/>
           <a:lstStyle/>
           <a:p>
-            <a:fld id="{9C0A4373-ED58-4DCE-88BF-E0DB5B1124DC}" type="slidenum">
+            <a:fld id="{C105E9AA-D6EF-4392-B931-D625B7847CB1}" type="slidenum">
               <a:rPr lang="zh-CN" altLang="en-US" smtClean="0"/>
               <a:t>‹#›</a:t>
             </a:fld>
@@ -1196,7 +1196,7 @@
     </p:spTree>
     <p:extLst>
       <p:ext uri="{BB962C8B-B14F-4D97-AF65-F5344CB8AC3E}">
-        <p14:creationId xmlns:p14="http://schemas.microsoft.com/office/powerpoint/2010/main" val="1126079138"/>
+        <p14:creationId xmlns:p14="http://schemas.microsoft.com/office/powerpoint/2010/main" val="1168283779"/>
       </p:ext>
     </p:extLst>
   </p:cSld>
@@ -1228,7 +1228,7 @@
           <p:cNvPr id="2" name="标题 1">
             <a:extLst>
               <a:ext uri="{FF2B5EF4-FFF2-40B4-BE49-F238E27FC236}">
-                <a16:creationId xmlns:a16="http://schemas.microsoft.com/office/drawing/2014/main" id="{8B2A21F2-B588-957A-3C45-66D2E87908F1}"/>
+                <a16:creationId xmlns:a16="http://schemas.microsoft.com/office/drawing/2014/main" id="{1262DA4F-839A-FD3A-9773-27B500877747}"/>
               </a:ext>
             </a:extLst>
           </p:cNvPr>
@@ -1256,7 +1256,7 @@
           <p:cNvPr id="3" name="内容占位符 2">
             <a:extLst>
               <a:ext uri="{FF2B5EF4-FFF2-40B4-BE49-F238E27FC236}">
-                <a16:creationId xmlns:a16="http://schemas.microsoft.com/office/drawing/2014/main" id="{6FCCD025-7A7F-B130-8D22-3D71496D217C}"/>
+                <a16:creationId xmlns:a16="http://schemas.microsoft.com/office/drawing/2014/main" id="{2A7A5FD9-6EE2-817A-1E16-0DC70B10135E}"/>
               </a:ext>
             </a:extLst>
           </p:cNvPr>
@@ -1318,7 +1318,7 @@
           <p:cNvPr id="4" name="内容占位符 3">
             <a:extLst>
               <a:ext uri="{FF2B5EF4-FFF2-40B4-BE49-F238E27FC236}">
-                <a16:creationId xmlns:a16="http://schemas.microsoft.com/office/drawing/2014/main" id="{552A2AE1-6212-E7DB-5838-E2E98549F6DE}"/>
+                <a16:creationId xmlns:a16="http://schemas.microsoft.com/office/drawing/2014/main" id="{C6C86BCC-101D-2BB8-6D66-86DB6E98F9F6}"/>
               </a:ext>
             </a:extLst>
           </p:cNvPr>
@@ -1380,7 +1380,7 @@
           <p:cNvPr id="5" name="日期占位符 4">
             <a:extLst>
               <a:ext uri="{FF2B5EF4-FFF2-40B4-BE49-F238E27FC236}">
-                <a16:creationId xmlns:a16="http://schemas.microsoft.com/office/drawing/2014/main" id="{FFA3622A-8D6D-31F7-2294-2B6954CAAE14}"/>
+                <a16:creationId xmlns:a16="http://schemas.microsoft.com/office/drawing/2014/main" id="{10697012-4D11-7E71-869B-644C3A1754D1}"/>
               </a:ext>
             </a:extLst>
           </p:cNvPr>
@@ -1396,7 +1396,7 @@
           <a:bodyPr/>
           <a:lstStyle/>
           <a:p>
-            <a:fld id="{CF582151-9887-4CEB-8A50-13331BFE4A86}" type="datetimeFigureOut">
+            <a:fld id="{75076109-1C18-49BA-8217-56B5B24C7648}" type="datetimeFigureOut">
               <a:rPr lang="zh-CN" altLang="en-US" smtClean="0"/>
               <a:t>2024/3/10</a:t>
             </a:fld>
@@ -1409,7 +1409,7 @@
           <p:cNvPr id="6" name="页脚占位符 5">
             <a:extLst>
               <a:ext uri="{FF2B5EF4-FFF2-40B4-BE49-F238E27FC236}">
-                <a16:creationId xmlns:a16="http://schemas.microsoft.com/office/drawing/2014/main" id="{5DE86245-BF54-E919-DCF2-F858B73822F7}"/>
+                <a16:creationId xmlns:a16="http://schemas.microsoft.com/office/drawing/2014/main" id="{19A846C5-88D1-BC75-45E4-2BBDDE70FB10}"/>
               </a:ext>
             </a:extLst>
           </p:cNvPr>
@@ -1434,7 +1434,7 @@
           <p:cNvPr id="7" name="灯片编号占位符 6">
             <a:extLst>
               <a:ext uri="{FF2B5EF4-FFF2-40B4-BE49-F238E27FC236}">
-                <a16:creationId xmlns:a16="http://schemas.microsoft.com/office/drawing/2014/main" id="{D5ACD208-88D4-12C3-61F0-3E23D0E14372}"/>
+                <a16:creationId xmlns:a16="http://schemas.microsoft.com/office/drawing/2014/main" id="{EAF13CED-A81E-3651-22E5-5C3D3FAC7572}"/>
               </a:ext>
             </a:extLst>
           </p:cNvPr>
@@ -1450,7 +1450,7 @@
           <a:bodyPr/>
           <a:lstStyle/>
           <a:p>
-            <a:fld id="{9C0A4373-ED58-4DCE-88BF-E0DB5B1124DC}" type="slidenum">
+            <a:fld id="{C105E9AA-D6EF-4392-B931-D625B7847CB1}" type="slidenum">
               <a:rPr lang="zh-CN" altLang="en-US" smtClean="0"/>
               <a:t>‹#›</a:t>
             </a:fld>
@@ -1461,7 +1461,7 @@
     </p:spTree>
     <p:extLst>
       <p:ext uri="{BB962C8B-B14F-4D97-AF65-F5344CB8AC3E}">
-        <p14:creationId xmlns:p14="http://schemas.microsoft.com/office/powerpoint/2010/main" val="806661127"/>
+        <p14:creationId xmlns:p14="http://schemas.microsoft.com/office/powerpoint/2010/main" val="1866351806"/>
       </p:ext>
     </p:extLst>
   </p:cSld>
@@ -1493,7 +1493,7 @@
           <p:cNvPr id="2" name="标题 1">
             <a:extLst>
               <a:ext uri="{FF2B5EF4-FFF2-40B4-BE49-F238E27FC236}">
-                <a16:creationId xmlns:a16="http://schemas.microsoft.com/office/drawing/2014/main" id="{0B30B7B6-DA8F-BA71-E970-E5BD96E67325}"/>
+                <a16:creationId xmlns:a16="http://schemas.microsoft.com/office/drawing/2014/main" id="{F92BF043-881D-4525-9B7F-28E9685EC2E7}"/>
               </a:ext>
             </a:extLst>
           </p:cNvPr>
@@ -1526,7 +1526,7 @@
           <p:cNvPr id="3" name="文本占位符 2">
             <a:extLst>
               <a:ext uri="{FF2B5EF4-FFF2-40B4-BE49-F238E27FC236}">
-                <a16:creationId xmlns:a16="http://schemas.microsoft.com/office/drawing/2014/main" id="{4675B275-A62C-12BA-EE14-C30BB14A2CBB}"/>
+                <a16:creationId xmlns:a16="http://schemas.microsoft.com/office/drawing/2014/main" id="{D3F488AC-AABC-58F8-93AE-913976200CCC}"/>
               </a:ext>
             </a:extLst>
           </p:cNvPr>
@@ -1597,7 +1597,7 @@
           <p:cNvPr id="4" name="内容占位符 3">
             <a:extLst>
               <a:ext uri="{FF2B5EF4-FFF2-40B4-BE49-F238E27FC236}">
-                <a16:creationId xmlns:a16="http://schemas.microsoft.com/office/drawing/2014/main" id="{35072E8F-5ECA-68F6-20B8-E2CAEEC57FE8}"/>
+                <a16:creationId xmlns:a16="http://schemas.microsoft.com/office/drawing/2014/main" id="{01FE5A70-4F63-16D4-1826-1B8A113D9513}"/>
               </a:ext>
             </a:extLst>
           </p:cNvPr>
@@ -1659,7 +1659,7 @@
           <p:cNvPr id="5" name="文本占位符 4">
             <a:extLst>
               <a:ext uri="{FF2B5EF4-FFF2-40B4-BE49-F238E27FC236}">
-                <a16:creationId xmlns:a16="http://schemas.microsoft.com/office/drawing/2014/main" id="{E360D08E-6C0A-9E60-635E-9E6E570D733B}"/>
+                <a16:creationId xmlns:a16="http://schemas.microsoft.com/office/drawing/2014/main" id="{8A4CC295-E094-5086-2E9E-213A000F0AED}"/>
               </a:ext>
             </a:extLst>
           </p:cNvPr>
@@ -1730,7 +1730,7 @@
           <p:cNvPr id="6" name="内容占位符 5">
             <a:extLst>
               <a:ext uri="{FF2B5EF4-FFF2-40B4-BE49-F238E27FC236}">
-                <a16:creationId xmlns:a16="http://schemas.microsoft.com/office/drawing/2014/main" id="{F76DAB01-C04A-3F2F-FD71-8FD52B5AFD3D}"/>
+                <a16:creationId xmlns:a16="http://schemas.microsoft.com/office/drawing/2014/main" id="{C3BBEFEB-0546-D789-DFC0-5315B9BAAAF5}"/>
               </a:ext>
             </a:extLst>
           </p:cNvPr>
@@ -1792,7 +1792,7 @@
           <p:cNvPr id="7" name="日期占位符 6">
             <a:extLst>
               <a:ext uri="{FF2B5EF4-FFF2-40B4-BE49-F238E27FC236}">
-                <a16:creationId xmlns:a16="http://schemas.microsoft.com/office/drawing/2014/main" id="{E3BC4EF3-AFC2-23A1-9F1C-5C96F7F19460}"/>
+                <a16:creationId xmlns:a16="http://schemas.microsoft.com/office/drawing/2014/main" id="{A9994997-CA19-0E61-E7D0-29B6DB0EFDCD}"/>
               </a:ext>
             </a:extLst>
           </p:cNvPr>
@@ -1808,7 +1808,7 @@
           <a:bodyPr/>
           <a:lstStyle/>
           <a:p>
-            <a:fld id="{CF582151-9887-4CEB-8A50-13331BFE4A86}" type="datetimeFigureOut">
+            <a:fld id="{75076109-1C18-49BA-8217-56B5B24C7648}" type="datetimeFigureOut">
               <a:rPr lang="zh-CN" altLang="en-US" smtClean="0"/>
               <a:t>2024/3/10</a:t>
             </a:fld>
@@ -1821,7 +1821,7 @@
           <p:cNvPr id="8" name="页脚占位符 7">
             <a:extLst>
               <a:ext uri="{FF2B5EF4-FFF2-40B4-BE49-F238E27FC236}">
-                <a16:creationId xmlns:a16="http://schemas.microsoft.com/office/drawing/2014/main" id="{5627375D-F923-1927-AA57-564279C93423}"/>
+                <a16:creationId xmlns:a16="http://schemas.microsoft.com/office/drawing/2014/main" id="{5928A3BD-51BD-204A-F388-091101D294CC}"/>
               </a:ext>
             </a:extLst>
           </p:cNvPr>
@@ -1846,7 +1846,7 @@
           <p:cNvPr id="9" name="灯片编号占位符 8">
             <a:extLst>
               <a:ext uri="{FF2B5EF4-FFF2-40B4-BE49-F238E27FC236}">
-                <a16:creationId xmlns:a16="http://schemas.microsoft.com/office/drawing/2014/main" id="{1C10E08E-16C6-B534-E846-0628E8725555}"/>
+                <a16:creationId xmlns:a16="http://schemas.microsoft.com/office/drawing/2014/main" id="{6839F7CD-AD66-76AA-71EE-D92B765A6626}"/>
               </a:ext>
             </a:extLst>
           </p:cNvPr>
@@ -1862,7 +1862,7 @@
           <a:bodyPr/>
           <a:lstStyle/>
           <a:p>
-            <a:fld id="{9C0A4373-ED58-4DCE-88BF-E0DB5B1124DC}" type="slidenum">
+            <a:fld id="{C105E9AA-D6EF-4392-B931-D625B7847CB1}" type="slidenum">
               <a:rPr lang="zh-CN" altLang="en-US" smtClean="0"/>
               <a:t>‹#›</a:t>
             </a:fld>
@@ -1873,7 +1873,7 @@
     </p:spTree>
     <p:extLst>
       <p:ext uri="{BB962C8B-B14F-4D97-AF65-F5344CB8AC3E}">
-        <p14:creationId xmlns:p14="http://schemas.microsoft.com/office/powerpoint/2010/main" val="4069530259"/>
+        <p14:creationId xmlns:p14="http://schemas.microsoft.com/office/powerpoint/2010/main" val="430870894"/>
       </p:ext>
     </p:extLst>
   </p:cSld>
@@ -1905,7 +1905,7 @@
           <p:cNvPr id="2" name="标题 1">
             <a:extLst>
               <a:ext uri="{FF2B5EF4-FFF2-40B4-BE49-F238E27FC236}">
-                <a16:creationId xmlns:a16="http://schemas.microsoft.com/office/drawing/2014/main" id="{EA2A646D-A74F-E816-18DC-8F8A614BB280}"/>
+                <a16:creationId xmlns:a16="http://schemas.microsoft.com/office/drawing/2014/main" id="{1735FE7F-B8F4-102C-0F6F-0E5760A9051D}"/>
               </a:ext>
             </a:extLst>
           </p:cNvPr>
@@ -1933,7 +1933,7 @@
           <p:cNvPr id="3" name="日期占位符 2">
             <a:extLst>
               <a:ext uri="{FF2B5EF4-FFF2-40B4-BE49-F238E27FC236}">
-                <a16:creationId xmlns:a16="http://schemas.microsoft.com/office/drawing/2014/main" id="{E8D2511D-6359-30FC-EBD3-0DEED9520AC7}"/>
+                <a16:creationId xmlns:a16="http://schemas.microsoft.com/office/drawing/2014/main" id="{5BCBF3E7-5FCB-66CB-F08F-7E050387C470}"/>
               </a:ext>
             </a:extLst>
           </p:cNvPr>
@@ -1949,7 +1949,7 @@
           <a:bodyPr/>
           <a:lstStyle/>
           <a:p>
-            <a:fld id="{CF582151-9887-4CEB-8A50-13331BFE4A86}" type="datetimeFigureOut">
+            <a:fld id="{75076109-1C18-49BA-8217-56B5B24C7648}" type="datetimeFigureOut">
               <a:rPr lang="zh-CN" altLang="en-US" smtClean="0"/>
               <a:t>2024/3/10</a:t>
             </a:fld>
@@ -1962,7 +1962,7 @@
           <p:cNvPr id="4" name="页脚占位符 3">
             <a:extLst>
               <a:ext uri="{FF2B5EF4-FFF2-40B4-BE49-F238E27FC236}">
-                <a16:creationId xmlns:a16="http://schemas.microsoft.com/office/drawing/2014/main" id="{397CE932-D413-5A4E-8610-6ECB17A9AEEB}"/>
+                <a16:creationId xmlns:a16="http://schemas.microsoft.com/office/drawing/2014/main" id="{E89FC977-D582-87FE-CD7E-3F431229C3A1}"/>
               </a:ext>
             </a:extLst>
           </p:cNvPr>
@@ -1987,7 +1987,7 @@
           <p:cNvPr id="5" name="灯片编号占位符 4">
             <a:extLst>
               <a:ext uri="{FF2B5EF4-FFF2-40B4-BE49-F238E27FC236}">
-                <a16:creationId xmlns:a16="http://schemas.microsoft.com/office/drawing/2014/main" id="{E640578B-5AC6-7865-416F-07024D30CBE8}"/>
+                <a16:creationId xmlns:a16="http://schemas.microsoft.com/office/drawing/2014/main" id="{E11C3904-BBA5-6AAB-2291-DB2965A2A61A}"/>
               </a:ext>
             </a:extLst>
           </p:cNvPr>
@@ -2003,7 +2003,7 @@
           <a:bodyPr/>
           <a:lstStyle/>
           <a:p>
-            <a:fld id="{9C0A4373-ED58-4DCE-88BF-E0DB5B1124DC}" type="slidenum">
+            <a:fld id="{C105E9AA-D6EF-4392-B931-D625B7847CB1}" type="slidenum">
               <a:rPr lang="zh-CN" altLang="en-US" smtClean="0"/>
               <a:t>‹#›</a:t>
             </a:fld>
@@ -2014,7 +2014,7 @@
     </p:spTree>
     <p:extLst>
       <p:ext uri="{BB962C8B-B14F-4D97-AF65-F5344CB8AC3E}">
-        <p14:creationId xmlns:p14="http://schemas.microsoft.com/office/powerpoint/2010/main" val="4086768414"/>
+        <p14:creationId xmlns:p14="http://schemas.microsoft.com/office/powerpoint/2010/main" val="2932940725"/>
       </p:ext>
     </p:extLst>
   </p:cSld>
@@ -2046,7 +2046,7 @@
           <p:cNvPr id="2" name="日期占位符 1">
             <a:extLst>
               <a:ext uri="{FF2B5EF4-FFF2-40B4-BE49-F238E27FC236}">
-                <a16:creationId xmlns:a16="http://schemas.microsoft.com/office/drawing/2014/main" id="{4C274157-D8E1-5219-D68B-D4125CB30B92}"/>
+                <a16:creationId xmlns:a16="http://schemas.microsoft.com/office/drawing/2014/main" id="{76CAB98E-8AF7-0886-2A5C-7CB6A6B02867}"/>
               </a:ext>
             </a:extLst>
           </p:cNvPr>
@@ -2062,7 +2062,7 @@
           <a:bodyPr/>
           <a:lstStyle/>
           <a:p>
-            <a:fld id="{CF582151-9887-4CEB-8A50-13331BFE4A86}" type="datetimeFigureOut">
+            <a:fld id="{75076109-1C18-49BA-8217-56B5B24C7648}" type="datetimeFigureOut">
               <a:rPr lang="zh-CN" altLang="en-US" smtClean="0"/>
               <a:t>2024/3/10</a:t>
             </a:fld>
@@ -2075,7 +2075,7 @@
           <p:cNvPr id="3" name="页脚占位符 2">
             <a:extLst>
               <a:ext uri="{FF2B5EF4-FFF2-40B4-BE49-F238E27FC236}">
-                <a16:creationId xmlns:a16="http://schemas.microsoft.com/office/drawing/2014/main" id="{2B68830F-4A9E-A28A-5EB8-9F1AF63EEF80}"/>
+                <a16:creationId xmlns:a16="http://schemas.microsoft.com/office/drawing/2014/main" id="{215BE3A0-E5EB-17FF-84D2-C1B240C6934C}"/>
               </a:ext>
             </a:extLst>
           </p:cNvPr>
@@ -2100,7 +2100,7 @@
           <p:cNvPr id="4" name="灯片编号占位符 3">
             <a:extLst>
               <a:ext uri="{FF2B5EF4-FFF2-40B4-BE49-F238E27FC236}">
-                <a16:creationId xmlns:a16="http://schemas.microsoft.com/office/drawing/2014/main" id="{2DBFC6C0-5E52-C995-172C-D562B6CD55DB}"/>
+                <a16:creationId xmlns:a16="http://schemas.microsoft.com/office/drawing/2014/main" id="{DA2B2BF8-D087-6A0A-E290-20E8F30275FF}"/>
               </a:ext>
             </a:extLst>
           </p:cNvPr>
@@ -2116,7 +2116,7 @@
           <a:bodyPr/>
           <a:lstStyle/>
           <a:p>
-            <a:fld id="{9C0A4373-ED58-4DCE-88BF-E0DB5B1124DC}" type="slidenum">
+            <a:fld id="{C105E9AA-D6EF-4392-B931-D625B7847CB1}" type="slidenum">
               <a:rPr lang="zh-CN" altLang="en-US" smtClean="0"/>
               <a:t>‹#›</a:t>
             </a:fld>
@@ -2127,7 +2127,7 @@
     </p:spTree>
     <p:extLst>
       <p:ext uri="{BB962C8B-B14F-4D97-AF65-F5344CB8AC3E}">
-        <p14:creationId xmlns:p14="http://schemas.microsoft.com/office/powerpoint/2010/main" val="882046115"/>
+        <p14:creationId xmlns:p14="http://schemas.microsoft.com/office/powerpoint/2010/main" val="1367621302"/>
       </p:ext>
     </p:extLst>
   </p:cSld>
@@ -2159,7 +2159,7 @@
           <p:cNvPr id="2" name="标题 1">
             <a:extLst>
               <a:ext uri="{FF2B5EF4-FFF2-40B4-BE49-F238E27FC236}">
-                <a16:creationId xmlns:a16="http://schemas.microsoft.com/office/drawing/2014/main" id="{51A0C769-AF84-18B0-94F8-864488D3F0DC}"/>
+                <a16:creationId xmlns:a16="http://schemas.microsoft.com/office/drawing/2014/main" id="{0E0C72EF-6C6E-8E80-F227-70671AB2B9C4}"/>
               </a:ext>
             </a:extLst>
           </p:cNvPr>
@@ -2196,7 +2196,7 @@
           <p:cNvPr id="3" name="内容占位符 2">
             <a:extLst>
               <a:ext uri="{FF2B5EF4-FFF2-40B4-BE49-F238E27FC236}">
-                <a16:creationId xmlns:a16="http://schemas.microsoft.com/office/drawing/2014/main" id="{A5F11CEA-EDD2-F39E-3F1F-3FD98B322A56}"/>
+                <a16:creationId xmlns:a16="http://schemas.microsoft.com/office/drawing/2014/main" id="{9B217EE0-62E3-159C-9517-FC842A094F6E}"/>
               </a:ext>
             </a:extLst>
           </p:cNvPr>
@@ -2286,7 +2286,7 @@
           <p:cNvPr id="4" name="文本占位符 3">
             <a:extLst>
               <a:ext uri="{FF2B5EF4-FFF2-40B4-BE49-F238E27FC236}">
-                <a16:creationId xmlns:a16="http://schemas.microsoft.com/office/drawing/2014/main" id="{8AA0FB66-5068-5058-FD03-3CF44D33DA0F}"/>
+                <a16:creationId xmlns:a16="http://schemas.microsoft.com/office/drawing/2014/main" id="{206D9068-B22D-AB7B-93D9-C116C656CB8F}"/>
               </a:ext>
             </a:extLst>
           </p:cNvPr>
@@ -2357,7 +2357,7 @@
           <p:cNvPr id="5" name="日期占位符 4">
             <a:extLst>
               <a:ext uri="{FF2B5EF4-FFF2-40B4-BE49-F238E27FC236}">
-                <a16:creationId xmlns:a16="http://schemas.microsoft.com/office/drawing/2014/main" id="{7D8F03B7-65E5-7580-6DE2-EE2B9F98E52F}"/>
+                <a16:creationId xmlns:a16="http://schemas.microsoft.com/office/drawing/2014/main" id="{3984B7F3-74E2-82F5-2CF2-16336C285FE3}"/>
               </a:ext>
             </a:extLst>
           </p:cNvPr>
@@ -2373,7 +2373,7 @@
           <a:bodyPr/>
           <a:lstStyle/>
           <a:p>
-            <a:fld id="{CF582151-9887-4CEB-8A50-13331BFE4A86}" type="datetimeFigureOut">
+            <a:fld id="{75076109-1C18-49BA-8217-56B5B24C7648}" type="datetimeFigureOut">
               <a:rPr lang="zh-CN" altLang="en-US" smtClean="0"/>
               <a:t>2024/3/10</a:t>
             </a:fld>
@@ -2386,7 +2386,7 @@
           <p:cNvPr id="6" name="页脚占位符 5">
             <a:extLst>
               <a:ext uri="{FF2B5EF4-FFF2-40B4-BE49-F238E27FC236}">
-                <a16:creationId xmlns:a16="http://schemas.microsoft.com/office/drawing/2014/main" id="{D5471D55-CE67-17DA-40FE-48DE81BC6419}"/>
+                <a16:creationId xmlns:a16="http://schemas.microsoft.com/office/drawing/2014/main" id="{DFAF4BAB-3DBA-1350-ACC8-2BEF0EE88FF9}"/>
               </a:ext>
             </a:extLst>
           </p:cNvPr>
@@ -2411,7 +2411,7 @@
           <p:cNvPr id="7" name="灯片编号占位符 6">
             <a:extLst>
               <a:ext uri="{FF2B5EF4-FFF2-40B4-BE49-F238E27FC236}">
-                <a16:creationId xmlns:a16="http://schemas.microsoft.com/office/drawing/2014/main" id="{303FDAE7-9503-20D7-744A-2746635B0494}"/>
+                <a16:creationId xmlns:a16="http://schemas.microsoft.com/office/drawing/2014/main" id="{79AD7379-C9DC-8D23-FFBA-8BE929D27AC0}"/>
               </a:ext>
             </a:extLst>
           </p:cNvPr>
@@ -2427,7 +2427,7 @@
           <a:bodyPr/>
           <a:lstStyle/>
           <a:p>
-            <a:fld id="{9C0A4373-ED58-4DCE-88BF-E0DB5B1124DC}" type="slidenum">
+            <a:fld id="{C105E9AA-D6EF-4392-B931-D625B7847CB1}" type="slidenum">
               <a:rPr lang="zh-CN" altLang="en-US" smtClean="0"/>
               <a:t>‹#›</a:t>
             </a:fld>
@@ -2438,7 +2438,7 @@
     </p:spTree>
     <p:extLst>
       <p:ext uri="{BB962C8B-B14F-4D97-AF65-F5344CB8AC3E}">
-        <p14:creationId xmlns:p14="http://schemas.microsoft.com/office/powerpoint/2010/main" val="3840052543"/>
+        <p14:creationId xmlns:p14="http://schemas.microsoft.com/office/powerpoint/2010/main" val="600676152"/>
       </p:ext>
     </p:extLst>
   </p:cSld>
@@ -2470,7 +2470,7 @@
           <p:cNvPr id="2" name="标题 1">
             <a:extLst>
               <a:ext uri="{FF2B5EF4-FFF2-40B4-BE49-F238E27FC236}">
-                <a16:creationId xmlns:a16="http://schemas.microsoft.com/office/drawing/2014/main" id="{132FB5FB-AB1A-0915-FE43-997B1E6859D0}"/>
+                <a16:creationId xmlns:a16="http://schemas.microsoft.com/office/drawing/2014/main" id="{5F19F09B-9C2C-A58A-529A-8C7793E620E8}"/>
               </a:ext>
             </a:extLst>
           </p:cNvPr>
@@ -2507,7 +2507,7 @@
           <p:cNvPr id="3" name="图片占位符 2">
             <a:extLst>
               <a:ext uri="{FF2B5EF4-FFF2-40B4-BE49-F238E27FC236}">
-                <a16:creationId xmlns:a16="http://schemas.microsoft.com/office/drawing/2014/main" id="{DDAA2DC1-24AE-068E-06E8-2361E7DFF5D1}"/>
+                <a16:creationId xmlns:a16="http://schemas.microsoft.com/office/drawing/2014/main" id="{389EE575-6922-1363-6BDD-EF26F460577D}"/>
               </a:ext>
             </a:extLst>
           </p:cNvPr>
@@ -2574,7 +2574,7 @@
           <p:cNvPr id="4" name="文本占位符 3">
             <a:extLst>
               <a:ext uri="{FF2B5EF4-FFF2-40B4-BE49-F238E27FC236}">
-                <a16:creationId xmlns:a16="http://schemas.microsoft.com/office/drawing/2014/main" id="{4FA496BF-51A6-BCE6-BA75-DBCB8A484581}"/>
+                <a16:creationId xmlns:a16="http://schemas.microsoft.com/office/drawing/2014/main" id="{2EB51128-8D77-CAA9-D10B-79497EDF4D44}"/>
               </a:ext>
             </a:extLst>
           </p:cNvPr>
@@ -2645,7 +2645,7 @@
           <p:cNvPr id="5" name="日期占位符 4">
             <a:extLst>
               <a:ext uri="{FF2B5EF4-FFF2-40B4-BE49-F238E27FC236}">
-                <a16:creationId xmlns:a16="http://schemas.microsoft.com/office/drawing/2014/main" id="{86869E59-7A06-2D65-F831-1CC062DE6695}"/>
+                <a16:creationId xmlns:a16="http://schemas.microsoft.com/office/drawing/2014/main" id="{B9E80330-A0A0-B8C6-56A5-77099E091DCE}"/>
               </a:ext>
             </a:extLst>
           </p:cNvPr>
@@ -2661,7 +2661,7 @@
           <a:bodyPr/>
           <a:lstStyle/>
           <a:p>
-            <a:fld id="{CF582151-9887-4CEB-8A50-13331BFE4A86}" type="datetimeFigureOut">
+            <a:fld id="{75076109-1C18-49BA-8217-56B5B24C7648}" type="datetimeFigureOut">
               <a:rPr lang="zh-CN" altLang="en-US" smtClean="0"/>
               <a:t>2024/3/10</a:t>
             </a:fld>
@@ -2674,7 +2674,7 @@
           <p:cNvPr id="6" name="页脚占位符 5">
             <a:extLst>
               <a:ext uri="{FF2B5EF4-FFF2-40B4-BE49-F238E27FC236}">
-                <a16:creationId xmlns:a16="http://schemas.microsoft.com/office/drawing/2014/main" id="{A7000595-CBCB-11AC-C66E-8B38B669E4B4}"/>
+                <a16:creationId xmlns:a16="http://schemas.microsoft.com/office/drawing/2014/main" id="{0C8EAAE3-CBC8-5EAB-5EB8-F7ACDAB0D717}"/>
               </a:ext>
             </a:extLst>
           </p:cNvPr>
@@ -2699,7 +2699,7 @@
           <p:cNvPr id="7" name="灯片编号占位符 6">
             <a:extLst>
               <a:ext uri="{FF2B5EF4-FFF2-40B4-BE49-F238E27FC236}">
-                <a16:creationId xmlns:a16="http://schemas.microsoft.com/office/drawing/2014/main" id="{A9077CA5-4CC9-3106-8491-568255AEFBD3}"/>
+                <a16:creationId xmlns:a16="http://schemas.microsoft.com/office/drawing/2014/main" id="{541802ED-A648-31AD-1235-B0F8C66FFDF7}"/>
               </a:ext>
             </a:extLst>
           </p:cNvPr>
@@ -2715,7 +2715,7 @@
           <a:bodyPr/>
           <a:lstStyle/>
           <a:p>
-            <a:fld id="{9C0A4373-ED58-4DCE-88BF-E0DB5B1124DC}" type="slidenum">
+            <a:fld id="{C105E9AA-D6EF-4392-B931-D625B7847CB1}" type="slidenum">
               <a:rPr lang="zh-CN" altLang="en-US" smtClean="0"/>
               <a:t>‹#›</a:t>
             </a:fld>
@@ -2726,7 +2726,7 @@
     </p:spTree>
     <p:extLst>
       <p:ext uri="{BB962C8B-B14F-4D97-AF65-F5344CB8AC3E}">
-        <p14:creationId xmlns:p14="http://schemas.microsoft.com/office/powerpoint/2010/main" val="3541859974"/>
+        <p14:creationId xmlns:p14="http://schemas.microsoft.com/office/powerpoint/2010/main" val="2374408877"/>
       </p:ext>
     </p:extLst>
   </p:cSld>
@@ -2763,7 +2763,7 @@
           <p:cNvPr id="2" name="标题占位符 1">
             <a:extLst>
               <a:ext uri="{FF2B5EF4-FFF2-40B4-BE49-F238E27FC236}">
-                <a16:creationId xmlns:a16="http://schemas.microsoft.com/office/drawing/2014/main" id="{056E6186-0EE2-1D4C-4464-8F41A62FCFE3}"/>
+                <a16:creationId xmlns:a16="http://schemas.microsoft.com/office/drawing/2014/main" id="{EE08944F-FBDB-EDC6-B2C2-1855591F4949}"/>
               </a:ext>
             </a:extLst>
           </p:cNvPr>
@@ -2801,7 +2801,7 @@
           <p:cNvPr id="3" name="文本占位符 2">
             <a:extLst>
               <a:ext uri="{FF2B5EF4-FFF2-40B4-BE49-F238E27FC236}">
-                <a16:creationId xmlns:a16="http://schemas.microsoft.com/office/drawing/2014/main" id="{9BEC7F03-112F-3337-B4D5-A82D75F4C973}"/>
+                <a16:creationId xmlns:a16="http://schemas.microsoft.com/office/drawing/2014/main" id="{D4C1FD50-B25A-01ED-897E-D4D50A5B89A5}"/>
               </a:ext>
             </a:extLst>
           </p:cNvPr>
@@ -2868,7 +2868,7 @@
           <p:cNvPr id="4" name="日期占位符 3">
             <a:extLst>
               <a:ext uri="{FF2B5EF4-FFF2-40B4-BE49-F238E27FC236}">
-                <a16:creationId xmlns:a16="http://schemas.microsoft.com/office/drawing/2014/main" id="{F05B47FC-2171-7B89-DBA0-47AC54A43E3C}"/>
+                <a16:creationId xmlns:a16="http://schemas.microsoft.com/office/drawing/2014/main" id="{36394E73-355B-131A-2B8A-AF7CC8AFFEB1}"/>
               </a:ext>
             </a:extLst>
           </p:cNvPr>
@@ -2902,7 +2902,7 @@
             </a:lvl1pPr>
           </a:lstStyle>
           <a:p>
-            <a:fld id="{CF582151-9887-4CEB-8A50-13331BFE4A86}" type="datetimeFigureOut">
+            <a:fld id="{75076109-1C18-49BA-8217-56B5B24C7648}" type="datetimeFigureOut">
               <a:rPr lang="zh-CN" altLang="en-US" smtClean="0"/>
               <a:t>2024/3/10</a:t>
             </a:fld>
@@ -2915,7 +2915,7 @@
           <p:cNvPr id="5" name="页脚占位符 4">
             <a:extLst>
               <a:ext uri="{FF2B5EF4-FFF2-40B4-BE49-F238E27FC236}">
-                <a16:creationId xmlns:a16="http://schemas.microsoft.com/office/drawing/2014/main" id="{33E84DC1-736F-101A-B221-F49BEADE49B5}"/>
+                <a16:creationId xmlns:a16="http://schemas.microsoft.com/office/drawing/2014/main" id="{00977622-DD78-F260-B1F8-E45D5F3FC10F}"/>
               </a:ext>
             </a:extLst>
           </p:cNvPr>
@@ -2958,7 +2958,7 @@
           <p:cNvPr id="6" name="灯片编号占位符 5">
             <a:extLst>
               <a:ext uri="{FF2B5EF4-FFF2-40B4-BE49-F238E27FC236}">
-                <a16:creationId xmlns:a16="http://schemas.microsoft.com/office/drawing/2014/main" id="{12066978-5875-85E8-C432-AE0B2E234D12}"/>
+                <a16:creationId xmlns:a16="http://schemas.microsoft.com/office/drawing/2014/main" id="{00A2F816-F3DA-1091-BFDE-B7A8A32E933B}"/>
               </a:ext>
             </a:extLst>
           </p:cNvPr>
@@ -2992,7 +2992,7 @@
             </a:lvl1pPr>
           </a:lstStyle>
           <a:p>
-            <a:fld id="{9C0A4373-ED58-4DCE-88BF-E0DB5B1124DC}" type="slidenum">
+            <a:fld id="{C105E9AA-D6EF-4392-B931-D625B7847CB1}" type="slidenum">
               <a:rPr lang="zh-CN" altLang="en-US" smtClean="0"/>
               <a:t>‹#›</a:t>
             </a:fld>
@@ -3003,7 +3003,7 @@
     </p:spTree>
     <p:extLst>
       <p:ext uri="{BB962C8B-B14F-4D97-AF65-F5344CB8AC3E}">
-        <p14:creationId xmlns:p14="http://schemas.microsoft.com/office/powerpoint/2010/main" val="1842042376"/>
+        <p14:creationId xmlns:p14="http://schemas.microsoft.com/office/powerpoint/2010/main" val="2479852455"/>
       </p:ext>
     </p:extLst>
   </p:cSld>
@@ -3323,7 +3323,7 @@
       </p:grpSpPr>
       <p:pic>
         <p:nvPicPr>
-          <p:cNvPr id="473090" name="Picture 2" descr="461"/>
+          <p:cNvPr id="474114" name="Picture 2" descr="462"/>
           <p:cNvPicPr>
             <a:picLocks noChangeAspect="1" noChangeArrowheads="1"/>
           </p:cNvPicPr>
@@ -3345,7 +3345,7 @@
         <p:spPr bwMode="auto">
           <a:xfrm>
             <a:off x="1524000" y="0"/>
-            <a:ext cx="9144000" cy="6858000"/>
+            <a:ext cx="9144000" cy="4941888"/>
           </a:xfrm>
           <a:prstGeom prst="rect">
             <a:avLst/>
@@ -3375,158 +3375,11 @@
           </a:extLst>
         </p:spPr>
       </p:pic>
-      <p:pic>
-        <p:nvPicPr>
-          <p:cNvPr id="474115" name="Picture 3" descr="461-2"/>
-          <p:cNvPicPr>
-            <a:picLocks noChangeAspect="1" noChangeArrowheads="1"/>
-          </p:cNvPicPr>
-          <p:nvPr/>
-        </p:nvPicPr>
-        <p:blipFill>
-          <a:blip r:embed="rId3">
-            <a:extLst>
-              <a:ext uri="{28A0092B-C50C-407E-A947-70E740481C1C}">
-                <a14:useLocalDpi xmlns:a14="http://schemas.microsoft.com/office/drawing/2010/main" val="0"/>
-              </a:ext>
-            </a:extLst>
-          </a:blip>
-          <a:srcRect/>
-          <a:stretch>
-            <a:fillRect/>
-          </a:stretch>
-        </p:blipFill>
-        <p:spPr bwMode="auto">
-          <a:xfrm>
-            <a:off x="1524000" y="44450"/>
-            <a:ext cx="9144000" cy="6858000"/>
-          </a:xfrm>
-          <a:prstGeom prst="rect">
-            <a:avLst/>
-          </a:prstGeom>
-          <a:noFill/>
-          <a:ln>
-            <a:noFill/>
-          </a:ln>
-          <a:effectLst/>
-          <a:extLst>
-            <a:ext uri="{909E8E84-426E-40DD-AFC4-6F175D3DCCD1}">
-              <a14:hiddenFill xmlns:a14="http://schemas.microsoft.com/office/drawing/2010/main">
-                <a:solidFill>
-                  <a:srgbClr val="FFFFFF"/>
-                </a:solidFill>
-              </a14:hiddenFill>
-            </a:ext>
-            <a:ext uri="{91240B29-F687-4F45-9708-019B960494DF}">
-              <a14:hiddenLine xmlns:a14="http://schemas.microsoft.com/office/drawing/2010/main" w="9525">
-                <a:solidFill>
-                  <a:srgbClr val="000000"/>
-                </a:solidFill>
-                <a:miter lim="800000"/>
-                <a:headEnd/>
-                <a:tailEnd/>
-              </a14:hiddenLine>
-            </a:ext>
-            <a:ext uri="{AF507438-7753-43E0-B8FC-AC1667EBCBE1}">
-              <a14:hiddenEffects xmlns:a14="http://schemas.microsoft.com/office/drawing/2010/main">
-                <a:effectLst>
-                  <a:outerShdw dist="35921" dir="2700000" algn="ctr" rotWithShape="0">
-                    <a:srgbClr val="808080"/>
-                  </a:outerShdw>
-                </a:effectLst>
-              </a14:hiddenEffects>
-            </a:ext>
-          </a:extLst>
-        </p:spPr>
-      </p:pic>
     </p:spTree>
   </p:cSld>
   <p:clrMapOvr>
     <a:masterClrMapping/>
   </p:clrMapOvr>
-  <p:timing>
-    <p:tnLst>
-      <p:par>
-        <p:cTn id="1" dur="indefinite" restart="never" nodeType="tmRoot">
-          <p:childTnLst>
-            <p:seq concurrent="1" nextAc="seek">
-              <p:cTn id="2" dur="indefinite" nodeType="mainSeq">
-                <p:childTnLst>
-                  <p:par>
-                    <p:cTn id="3" fill="hold" nodeType="clickPar">
-                      <p:stCondLst>
-                        <p:cond delay="indefinite"/>
-                      </p:stCondLst>
-                      <p:childTnLst>
-                        <p:par>
-                          <p:cTn id="4" fill="hold" nodeType="withGroup">
-                            <p:stCondLst>
-                              <p:cond delay="0"/>
-                            </p:stCondLst>
-                            <p:childTnLst>
-                              <p:par>
-                                <p:cTn id="5" presetID="10" presetClass="entr" presetSubtype="0" fill="hold" nodeType="clickEffect">
-                                  <p:stCondLst>
-                                    <p:cond delay="0"/>
-                                  </p:stCondLst>
-                                  <p:childTnLst>
-                                    <p:set>
-                                      <p:cBhvr>
-                                        <p:cTn id="6" dur="1" fill="hold">
-                                          <p:stCondLst>
-                                            <p:cond delay="0"/>
-                                          </p:stCondLst>
-                                        </p:cTn>
-                                        <p:tgtEl>
-                                          <p:spTgt spid="474115"/>
-                                        </p:tgtEl>
-                                        <p:attrNameLst>
-                                          <p:attrName>style.visibility</p:attrName>
-                                        </p:attrNameLst>
-                                      </p:cBhvr>
-                                      <p:to>
-                                        <p:strVal val="visible"/>
-                                      </p:to>
-                                    </p:set>
-                                    <p:animEffect transition="in" filter="fade">
-                                      <p:cBhvr>
-                                        <p:cTn id="7" dur="500"/>
-                                        <p:tgtEl>
-                                          <p:spTgt spid="474115"/>
-                                        </p:tgtEl>
-                                      </p:cBhvr>
-                                    </p:animEffect>
-                                  </p:childTnLst>
-                                </p:cTn>
-                              </p:par>
-                            </p:childTnLst>
-                          </p:cTn>
-                        </p:par>
-                      </p:childTnLst>
-                    </p:cTn>
-                  </p:par>
-                </p:childTnLst>
-              </p:cTn>
-              <p:prevCondLst>
-                <p:cond evt="onPrev" delay="0">
-                  <p:tgtEl>
-                    <p:sldTgt/>
-                  </p:tgtEl>
-                </p:cond>
-              </p:prevCondLst>
-              <p:nextCondLst>
-                <p:cond evt="onNext" delay="0">
-                  <p:tgtEl>
-                    <p:sldTgt/>
-                  </p:tgtEl>
-                </p:cond>
-              </p:nextCondLst>
-            </p:seq>
-          </p:childTnLst>
-        </p:cTn>
-      </p:par>
-    </p:tnLst>
-  </p:timing>
 </p:sld>
 </file>
 
